--- a/WEEK3/第三周第一天[盒子模型、图片延迟加载].pptx
+++ b/WEEK3/第三周第一天[盒子模型、图片延迟加载].pptx
@@ -4703,15 +4703,7 @@
                 <a:ea typeface="仿宋" panose="02010609060101010101" charset="-122"/>
                 <a:sym typeface="+mn-ea"/>
               </a:rPr>
-              <a:t>案例：瀑布流  </a:t>
-            </a:r>
-            <a:r>
-              <a:rPr lang="zh-CN" altLang="en-US">
-                <a:latin typeface="仿宋" panose="02010609060101010101" charset="-122"/>
-                <a:ea typeface="仿宋" panose="02010609060101010101" charset="-122"/>
-                <a:sym typeface="+mn-ea"/>
-              </a:rPr>
-              <a:t>（选）</a:t>
+              <a:t>案例：瀑布流  （选）</a:t>
             </a:r>
             <a:endParaRPr lang="zh-CN" altLang="en-US">
               <a:latin typeface="仿宋" panose="02010609060101010101" charset="-122"/>
@@ -4748,15 +4740,7 @@
                 <a:ea typeface="仿宋" panose="02010609060101010101" charset="-122"/>
                 <a:sym typeface="+mn-ea"/>
               </a:rPr>
-              <a:t>案例：京东楼层导航 </a:t>
-            </a:r>
-            <a:r>
-              <a:rPr lang="zh-CN" altLang="en-US">
-                <a:latin typeface="仿宋" panose="02010609060101010101" charset="-122"/>
-                <a:ea typeface="仿宋" panose="02010609060101010101" charset="-122"/>
-                <a:sym typeface="+mn-ea"/>
-              </a:rPr>
-              <a:t>（选）</a:t>
+              <a:t>案例：京东楼层导航 （选）</a:t>
             </a:r>
             <a:endParaRPr lang="zh-CN" altLang="en-US">
               <a:latin typeface="仿宋" panose="02010609060101010101" charset="-122"/>

--- a/WEEK3/第三周第一天[盒子模型、图片延迟加载].pptx
+++ b/WEEK3/第三周第一天[盒子模型、图片延迟加载].pptx
@@ -3923,9 +3923,17 @@
                 <a:ea typeface="仿宋" panose="02010609060101010101" charset="-122"/>
                 <a:sym typeface="+mn-ea"/>
               </a:rPr>
-              <a:t>- ...</a:t>
-            </a:r>
-            <a:endParaRPr lang="en-US" altLang="zh-CN">
+              <a:t>- setCss &amp; setGroupCss &amp; css </a:t>
+            </a:r>
+            <a:r>
+              <a:rPr lang="zh-CN" altLang="en-US">
+                <a:latin typeface="仿宋" panose="02010609060101010101" charset="-122"/>
+                <a:ea typeface="仿宋" panose="02010609060101010101" charset="-122"/>
+                <a:sym typeface="+mn-ea"/>
+              </a:rPr>
+              <a:t>方法封装</a:t>
+            </a:r>
+            <a:endParaRPr lang="zh-CN" altLang="en-US">
               <a:latin typeface="仿宋" panose="02010609060101010101" charset="-122"/>
               <a:ea typeface="仿宋" panose="02010609060101010101" charset="-122"/>
               <a:sym typeface="+mn-ea"/>
@@ -4568,35 +4576,6 @@
               </a:rPr>
               <a:t>- scrollLeft/scrollTop</a:t>
             </a:r>
-            <a:endParaRPr lang="en-US" altLang="zh-CN">
-              <a:latin typeface="仿宋" panose="02010609060101010101" charset="-122"/>
-              <a:ea typeface="仿宋" panose="02010609060101010101" charset="-122"/>
-              <a:sym typeface="+mn-ea"/>
-            </a:endParaRPr>
-          </a:p>
-          <a:p>
-            <a:pPr marL="0" indent="0" fontAlgn="auto">
-              <a:lnSpc>
-                <a:spcPct val="130000"/>
-              </a:lnSpc>
-              <a:buNone/>
-            </a:pPr>
-            <a:r>
-              <a:rPr lang="en-US" altLang="zh-CN">
-                <a:latin typeface="仿宋" panose="02010609060101010101" charset="-122"/>
-                <a:ea typeface="仿宋" panose="02010609060101010101" charset="-122"/>
-                <a:sym typeface="+mn-ea"/>
-              </a:rPr>
-              <a:t>  - </a:t>
-            </a:r>
-            <a:r>
-              <a:rPr lang="zh-CN" altLang="en-US">
-                <a:latin typeface="仿宋" panose="02010609060101010101" charset="-122"/>
-                <a:ea typeface="仿宋" panose="02010609060101010101" charset="-122"/>
-                <a:sym typeface="+mn-ea"/>
-              </a:rPr>
-              <a:t>定时器基础应用</a:t>
-            </a:r>
             <a:endParaRPr lang="zh-CN" altLang="en-US">
               <a:latin typeface="仿宋" panose="02010609060101010101" charset="-122"/>
               <a:ea typeface="仿宋" panose="02010609060101010101" charset="-122"/>
@@ -4755,6 +4734,20 @@
               </a:lnSpc>
               <a:buNone/>
             </a:pPr>
+            <a:r>
+              <a:rPr lang="zh-CN" altLang="en-US">
+                <a:latin typeface="仿宋" panose="02010609060101010101" charset="-122"/>
+                <a:ea typeface="仿宋" panose="02010609060101010101" charset="-122"/>
+              </a:rPr>
+              <a:t>  </a:t>
+            </a:r>
+            <a:r>
+              <a:rPr lang="en-US" altLang="zh-CN">
+                <a:latin typeface="仿宋" panose="02010609060101010101" charset="-122"/>
+                <a:ea typeface="仿宋" panose="02010609060101010101" charset="-122"/>
+              </a:rPr>
+              <a:t>- ...</a:t>
+            </a:r>
             <a:endParaRPr lang="zh-CN" altLang="en-US">
               <a:latin typeface="仿宋" panose="02010609060101010101" charset="-122"/>
               <a:ea typeface="仿宋" panose="02010609060101010101" charset="-122"/>
@@ -5149,54 +5142,9 @@
                 <a:ea typeface="仿宋" panose="02010609060101010101" charset="-122"/>
                 <a:sym typeface="+mn-ea"/>
               </a:rPr>
-              <a:t>- JS</a:t>
-            </a:r>
-            <a:r>
-              <a:rPr lang="zh-CN" altLang="en-US">
-                <a:latin typeface="仿宋" panose="02010609060101010101" charset="-122"/>
-                <a:ea typeface="仿宋" panose="02010609060101010101" charset="-122"/>
-                <a:sym typeface="+mn-ea"/>
-              </a:rPr>
-              <a:t>同步异步编程</a:t>
-            </a:r>
-            <a:endParaRPr lang="zh-CN" altLang="en-US">
-              <a:latin typeface="仿宋" panose="02010609060101010101" charset="-122"/>
-              <a:ea typeface="仿宋" panose="02010609060101010101" charset="-122"/>
-              <a:sym typeface="+mn-ea"/>
-            </a:endParaRPr>
-          </a:p>
-          <a:p>
-            <a:pPr marL="0" indent="0" fontAlgn="auto">
-              <a:lnSpc>
-                <a:spcPct val="130000"/>
-              </a:lnSpc>
-              <a:buNone/>
-            </a:pPr>
-            <a:r>
-              <a:rPr lang="zh-CN" altLang="en-US">
-                <a:latin typeface="仿宋" panose="02010609060101010101" charset="-122"/>
-                <a:ea typeface="仿宋" panose="02010609060101010101" charset="-122"/>
-                <a:sym typeface="+mn-ea"/>
-              </a:rPr>
-              <a:t>  </a:t>
-            </a:r>
-            <a:r>
-              <a:rPr lang="en-US" altLang="zh-CN">
-                <a:latin typeface="仿宋" panose="02010609060101010101" charset="-122"/>
-                <a:ea typeface="仿宋" panose="02010609060101010101" charset="-122"/>
-                <a:sym typeface="+mn-ea"/>
-              </a:rPr>
-              <a:t>- </a:t>
-            </a:r>
-            <a:r>
-              <a:rPr lang="zh-CN" altLang="en-US">
-                <a:latin typeface="仿宋" panose="02010609060101010101" charset="-122"/>
-                <a:ea typeface="仿宋" panose="02010609060101010101" charset="-122"/>
-                <a:sym typeface="+mn-ea"/>
-              </a:rPr>
-              <a:t>由图片延迟加载引发的一些思考</a:t>
-            </a:r>
-            <a:endParaRPr lang="zh-CN" altLang="en-US">
+              <a:t>- ...</a:t>
+            </a:r>
+            <a:endParaRPr lang="en-US" altLang="zh-CN">
               <a:latin typeface="仿宋" panose="02010609060101010101" charset="-122"/>
               <a:ea typeface="仿宋" panose="02010609060101010101" charset="-122"/>
               <a:sym typeface="+mn-ea"/>
